--- a/ポスター.pptx
+++ b/ポスター.pptx
@@ -257,7 +257,7 @@
           <a:p>
             <a:fld id="{9824D048-2932-4938-B209-F74D77CC75C5}" type="datetimeFigureOut">
               <a:rPr kumimoji="1" lang="ja-JP" altLang="en-US" smtClean="0"/>
-              <a:t>2024/9/10</a:t>
+              <a:t>2024/9/11</a:t>
             </a:fld>
             <a:endParaRPr kumimoji="1" lang="ja-JP" altLang="en-US"/>
           </a:p>
@@ -596,7 +596,7 @@
             <a:fld id="{9824D048-2932-4938-B209-F74D77CC75C5}" type="datetimeFigureOut">
               <a:rPr kumimoji="1" lang="ja-JP" altLang="en-US" smtClean="0"/>
               <a:pPr/>
-              <a:t>2024/9/10</a:t>
+              <a:t>2024/9/11</a:t>
             </a:fld>
             <a:endParaRPr kumimoji="1" lang="ja-JP" altLang="en-US"/>
           </a:p>
@@ -1038,7 +1038,7 @@
           <a:p>
             <a:fld id="{9824D048-2932-4938-B209-F74D77CC75C5}" type="datetimeFigureOut">
               <a:rPr kumimoji="1" lang="ja-JP" altLang="en-US" smtClean="0"/>
-              <a:t>2024/9/10</a:t>
+              <a:t>2024/9/11</a:t>
             </a:fld>
             <a:endParaRPr kumimoji="1" lang="ja-JP" altLang="en-US"/>
           </a:p>
@@ -1280,7 +1280,7 @@
           <a:p>
             <a:fld id="{9824D048-2932-4938-B209-F74D77CC75C5}" type="datetimeFigureOut">
               <a:rPr kumimoji="1" lang="ja-JP" altLang="en-US" smtClean="0"/>
-              <a:t>2024/9/10</a:t>
+              <a:t>2024/9/11</a:t>
             </a:fld>
             <a:endParaRPr kumimoji="1" lang="ja-JP" altLang="en-US"/>
           </a:p>
@@ -1759,7 +1759,7 @@
           <a:p>
             <a:fld id="{9824D048-2932-4938-B209-F74D77CC75C5}" type="datetimeFigureOut">
               <a:rPr kumimoji="1" lang="ja-JP" altLang="en-US" smtClean="0"/>
-              <a:t>2024/9/10</a:t>
+              <a:t>2024/9/11</a:t>
             </a:fld>
             <a:endParaRPr kumimoji="1" lang="ja-JP" altLang="en-US"/>
           </a:p>
@@ -2093,7 +2093,7 @@
           <a:p>
             <a:fld id="{9824D048-2932-4938-B209-F74D77CC75C5}" type="datetimeFigureOut">
               <a:rPr kumimoji="1" lang="ja-JP" altLang="en-US" smtClean="0"/>
-              <a:t>2024/9/10</a:t>
+              <a:t>2024/9/11</a:t>
             </a:fld>
             <a:endParaRPr kumimoji="1" lang="ja-JP" altLang="en-US"/>
           </a:p>
@@ -2563,7 +2563,7 @@
           <a:p>
             <a:fld id="{9824D048-2932-4938-B209-F74D77CC75C5}" type="datetimeFigureOut">
               <a:rPr kumimoji="1" lang="ja-JP" altLang="en-US" smtClean="0"/>
-              <a:t>2024/9/10</a:t>
+              <a:t>2024/9/11</a:t>
             </a:fld>
             <a:endParaRPr kumimoji="1" lang="ja-JP" altLang="en-US"/>
           </a:p>
@@ -2713,7 +2713,7 @@
           <a:p>
             <a:fld id="{9824D048-2932-4938-B209-F74D77CC75C5}" type="datetimeFigureOut">
               <a:rPr kumimoji="1" lang="ja-JP" altLang="en-US" smtClean="0"/>
-              <a:t>2024/9/10</a:t>
+              <a:t>2024/9/11</a:t>
             </a:fld>
             <a:endParaRPr kumimoji="1" lang="ja-JP" altLang="en-US"/>
           </a:p>
@@ -2832,7 +2832,7 @@
           <a:p>
             <a:fld id="{9824D048-2932-4938-B209-F74D77CC75C5}" type="datetimeFigureOut">
               <a:rPr kumimoji="1" lang="ja-JP" altLang="en-US" smtClean="0"/>
-              <a:t>2024/9/10</a:t>
+              <a:t>2024/9/11</a:t>
             </a:fld>
             <a:endParaRPr kumimoji="1" lang="ja-JP" altLang="en-US"/>
           </a:p>
@@ -3174,7 +3174,7 @@
           <a:p>
             <a:fld id="{9824D048-2932-4938-B209-F74D77CC75C5}" type="datetimeFigureOut">
               <a:rPr kumimoji="1" lang="ja-JP" altLang="en-US" smtClean="0"/>
-              <a:t>2024/9/10</a:t>
+              <a:t>2024/9/11</a:t>
             </a:fld>
             <a:endParaRPr kumimoji="1" lang="ja-JP" altLang="en-US"/>
           </a:p>
@@ -3464,7 +3464,7 @@
           <a:p>
             <a:fld id="{9824D048-2932-4938-B209-F74D77CC75C5}" type="datetimeFigureOut">
               <a:rPr kumimoji="1" lang="ja-JP" altLang="en-US" smtClean="0"/>
-              <a:t>2024/9/10</a:t>
+              <a:t>2024/9/11</a:t>
             </a:fld>
             <a:endParaRPr kumimoji="1" lang="ja-JP" altLang="en-US"/>
           </a:p>
@@ -3994,7 +3994,7 @@
         </p:nvSpPr>
         <p:spPr>
           <a:xfrm>
-            <a:off x="11677417" y="17108258"/>
+            <a:off x="11677417" y="17238884"/>
             <a:ext cx="8176050" cy="3955728"/>
           </a:xfrm>
           <a:prstGeom prst="roundRect">
@@ -4048,7 +4048,7 @@
         </p:nvSpPr>
         <p:spPr>
           <a:xfrm>
-            <a:off x="11677417" y="22650516"/>
+            <a:off x="11677417" y="23579430"/>
             <a:ext cx="8176050" cy="2312264"/>
           </a:xfrm>
           <a:prstGeom prst="roundRect">
@@ -4524,10 +4524,10 @@
         </p:nvGrpSpPr>
         <p:grpSpPr>
           <a:xfrm>
-            <a:off x="11005015" y="27234568"/>
-            <a:ext cx="9482324" cy="2057375"/>
+            <a:off x="11005015" y="27234571"/>
+            <a:ext cx="9482324" cy="2016005"/>
             <a:chOff x="1209487" y="25326056"/>
-            <a:chExt cx="12395011" cy="2689339"/>
+            <a:chExt cx="12395011" cy="2635261"/>
           </a:xfrm>
         </p:grpSpPr>
         <p:grpSp>
@@ -4544,18 +4544,18 @@
           </p:nvGrpSpPr>
           <p:grpSpPr>
             <a:xfrm>
-              <a:off x="7239938" y="25342650"/>
-              <a:ext cx="6364560" cy="2672745"/>
+              <a:off x="7239938" y="25342643"/>
+              <a:ext cx="6364560" cy="2158289"/>
               <a:chOff x="11442019" y="24806563"/>
-              <a:chExt cx="8608319" cy="3614993"/>
+              <a:chExt cx="8608319" cy="2919172"/>
             </a:xfrm>
           </p:grpSpPr>
           <p:pic>
             <p:nvPicPr>
-              <p:cNvPr id="1026" name="Picture 2" descr="Unreal Engine - Wikipedia">
+              <p:cNvPr id="1028" name="Picture 4" descr="GitHub - isocpp/logos: C++ logos created for isocpp.org">
                 <a:extLst>
                   <a:ext uri="{FF2B5EF4-FFF2-40B4-BE49-F238E27FC236}">
-                    <a16:creationId xmlns:a16="http://schemas.microsoft.com/office/drawing/2014/main" id="{07258958-DF15-7D5D-B066-54AA8B8BB8C3}"/>
+                    <a16:creationId xmlns:a16="http://schemas.microsoft.com/office/drawing/2014/main" id="{99AF5391-4693-CFA4-C797-FBA563F885BA}"/>
                   </a:ext>
                 </a:extLst>
               </p:cNvPr>
@@ -4579,55 +4579,8 @@
             </p:blipFill>
             <p:spPr bwMode="auto">
               <a:xfrm>
-                <a:off x="11672487" y="25714206"/>
-                <a:ext cx="3315123" cy="2707350"/>
-              </a:xfrm>
-              <a:prstGeom prst="rect">
-                <a:avLst/>
-              </a:prstGeom>
-              <a:noFill/>
-              <a:extLst>
-                <a:ext uri="{909E8E84-426E-40DD-AFC4-6F175D3DCCD1}">
-                  <a14:hiddenFill xmlns:a14="http://schemas.microsoft.com/office/drawing/2010/main">
-                    <a:solidFill>
-                      <a:srgbClr val="FFFFFF"/>
-                    </a:solidFill>
-                  </a14:hiddenFill>
-                </a:ext>
-              </a:extLst>
-            </p:spPr>
-          </p:pic>
-          <p:pic>
-            <p:nvPicPr>
-              <p:cNvPr id="1028" name="Picture 4" descr="GitHub - isocpp/logos: C++ logos created for isocpp.org">
-                <a:extLst>
-                  <a:ext uri="{FF2B5EF4-FFF2-40B4-BE49-F238E27FC236}">
-                    <a16:creationId xmlns:a16="http://schemas.microsoft.com/office/drawing/2014/main" id="{99AF5391-4693-CFA4-C797-FBA563F885BA}"/>
-                  </a:ext>
-                </a:extLst>
-              </p:cNvPr>
-              <p:cNvPicPr>
-                <a:picLocks noChangeAspect="1" noChangeArrowheads="1"/>
-              </p:cNvPicPr>
-              <p:nvPr/>
-            </p:nvPicPr>
-            <p:blipFill>
-              <a:blip r:embed="rId3">
-                <a:extLst>
-                  <a:ext uri="{28A0092B-C50C-407E-A947-70E740481C1C}">
-                    <a14:useLocalDpi xmlns:a14="http://schemas.microsoft.com/office/drawing/2010/main" val="0"/>
-                  </a:ext>
-                </a:extLst>
-              </a:blip>
-              <a:srcRect/>
-              <a:stretch>
-                <a:fillRect/>
-              </a:stretch>
-            </p:blipFill>
-            <p:spPr bwMode="auto">
-              <a:xfrm>
-                <a:off x="15307609" y="26442508"/>
-                <a:ext cx="1310603" cy="1473358"/>
+                <a:off x="14875286" y="26252376"/>
+                <a:ext cx="1310604" cy="1473359"/>
               </a:xfrm>
               <a:prstGeom prst="rect">
                 <a:avLst/>
@@ -4703,15 +4656,15 @@
               <p:nvPr/>
             </p:nvPicPr>
             <p:blipFill>
-              <a:blip r:embed="rId4"/>
+              <a:blip r:embed="rId3"/>
               <a:stretch>
                 <a:fillRect/>
               </a:stretch>
             </p:blipFill>
             <p:spPr>
               <a:xfrm>
-                <a:off x="16938212" y="26392701"/>
-                <a:ext cx="2906226" cy="1473358"/>
+                <a:off x="16821646" y="26252376"/>
+                <a:ext cx="2906226" cy="1473359"/>
               </a:xfrm>
               <a:prstGeom prst="rect">
                 <a:avLst/>
@@ -4754,7 +4707,7 @@
               <p:nvPr/>
             </p:nvPicPr>
             <p:blipFill>
-              <a:blip r:embed="rId5">
+              <a:blip r:embed="rId4">
                 <a:extLst>
                   <a:ext uri="{28A0092B-C50C-407E-A947-70E740481C1C}">
                     <a14:useLocalDpi xmlns:a14="http://schemas.microsoft.com/office/drawing/2010/main" val="0"/>
@@ -4872,7 +4825,7 @@
                 <p:nvPr/>
               </p:nvPicPr>
               <p:blipFill>
-                <a:blip r:embed="rId6">
+                <a:blip r:embed="rId5">
                   <a:extLst>
                     <a:ext uri="{28A0092B-C50C-407E-A947-70E740481C1C}">
                       <a14:useLocalDpi xmlns:a14="http://schemas.microsoft.com/office/drawing/2010/main" val="0"/>
@@ -4919,7 +4872,7 @@
                 <p:nvPr/>
               </p:nvPicPr>
               <p:blipFill>
-                <a:blip r:embed="rId7">
+                <a:blip r:embed="rId6">
                   <a:extLst>
                     <a:ext uri="{28A0092B-C50C-407E-A947-70E740481C1C}">
                       <a14:useLocalDpi xmlns:a14="http://schemas.microsoft.com/office/drawing/2010/main" val="0"/>
@@ -5070,7 +5023,7 @@
                 <p:nvPr/>
               </p:nvPicPr>
               <p:blipFill>
-                <a:blip r:embed="rId8">
+                <a:blip r:embed="rId7">
                   <a:extLst>
                     <a:ext uri="{28A0092B-C50C-407E-A947-70E740481C1C}">
                       <a14:useLocalDpi xmlns:a14="http://schemas.microsoft.com/office/drawing/2010/main" val="0"/>
@@ -5117,7 +5070,7 @@
                 <p:nvPr/>
               </p:nvPicPr>
               <p:blipFill>
-                <a:blip r:embed="rId9">
+                <a:blip r:embed="rId8">
                   <a:extLst>
                     <a:ext uri="{28A0092B-C50C-407E-A947-70E740481C1C}">
                       <a14:useLocalDpi xmlns:a14="http://schemas.microsoft.com/office/drawing/2010/main" val="0"/>
@@ -5523,7 +5476,7 @@
           <p:nvPr/>
         </p:nvPicPr>
         <p:blipFill>
-          <a:blip r:embed="rId10"/>
+          <a:blip r:embed="rId9"/>
           <a:stretch>
             <a:fillRect/>
           </a:stretch>
@@ -5553,7 +5506,7 @@
           <p:nvPr/>
         </p:nvPicPr>
         <p:blipFill>
-          <a:blip r:embed="rId11"/>
+          <a:blip r:embed="rId10"/>
           <a:stretch>
             <a:fillRect/>
           </a:stretch>
@@ -5612,7 +5565,7 @@
               <a:t>であれば</a:t>
             </a:r>
             <a:r>
-              <a:rPr kumimoji="1" lang="ja-JP" altLang="en-US" sz="3600" dirty="0">
+              <a:rPr kumimoji="1" lang="ja-JP" altLang="en-US" sz="3600" b="1" dirty="0">
                 <a:solidFill>
                   <a:srgbClr val="FF0000"/>
                 </a:solidFill>
@@ -5621,7 +5574,7 @@
               </a:rPr>
               <a:t>爆発</a:t>
             </a:r>
-            <a:endParaRPr kumimoji="1" lang="en-US" altLang="ja-JP" sz="3600" dirty="0">
+            <a:endParaRPr kumimoji="1" lang="en-US" altLang="ja-JP" sz="3600" b="1" dirty="0">
               <a:solidFill>
                 <a:srgbClr val="FF0000"/>
               </a:solidFill>
@@ -5719,7 +5672,7 @@
           <p:nvPr/>
         </p:nvPicPr>
         <p:blipFill>
-          <a:blip r:embed="rId12"/>
+          <a:blip r:embed="rId11"/>
           <a:stretch>
             <a:fillRect/>
           </a:stretch>
@@ -5878,7 +5831,7 @@
           <p:nvPr/>
         </p:nvPicPr>
         <p:blipFill>
-          <a:blip r:embed="rId13"/>
+          <a:blip r:embed="rId12"/>
           <a:srcRect l="8346"/>
           <a:stretch/>
         </p:blipFill>
@@ -5988,7 +5941,7 @@
           <p:nvPr/>
         </p:nvPicPr>
         <p:blipFill>
-          <a:blip r:embed="rId14"/>
+          <a:blip r:embed="rId13"/>
           <a:stretch>
             <a:fillRect/>
           </a:stretch>
@@ -6137,7 +6090,7 @@
         </p:nvSpPr>
         <p:spPr>
           <a:xfrm>
-            <a:off x="11727508" y="17242506"/>
+            <a:off x="11727508" y="17373132"/>
             <a:ext cx="8030778" cy="523220"/>
           </a:xfrm>
           <a:prstGeom prst="rect">
@@ -8339,7 +8292,7 @@
         </p:nvSpPr>
         <p:spPr>
           <a:xfrm>
-            <a:off x="12058257" y="17744426"/>
+            <a:off x="12058257" y="17875052"/>
             <a:ext cx="3523947" cy="1323439"/>
           </a:xfrm>
           <a:prstGeom prst="roundRect">
@@ -8437,7 +8390,7 @@
         </p:nvSpPr>
         <p:spPr>
           <a:xfrm>
-            <a:off x="12033543" y="19451667"/>
+            <a:off x="12033543" y="19582293"/>
             <a:ext cx="3523947" cy="1323439"/>
           </a:xfrm>
           <a:prstGeom prst="roundRect">
@@ -8555,7 +8508,7 @@
         </p:nvSpPr>
         <p:spPr>
           <a:xfrm>
-            <a:off x="15963043" y="17722560"/>
+            <a:off x="15963043" y="17853186"/>
             <a:ext cx="3523947" cy="1323439"/>
           </a:xfrm>
           <a:prstGeom prst="roundRect">
@@ -8616,7 +8569,7 @@
         </p:nvSpPr>
         <p:spPr>
           <a:xfrm>
-            <a:off x="15959105" y="19456727"/>
+            <a:off x="15959105" y="19587353"/>
             <a:ext cx="3523947" cy="1323439"/>
           </a:xfrm>
           <a:prstGeom prst="roundRect">
@@ -8694,8 +8647,8 @@
         </p:nvSpPr>
         <p:spPr>
           <a:xfrm>
-            <a:off x="11785441" y="21120443"/>
-            <a:ext cx="8030778" cy="523220"/>
+            <a:off x="11785441" y="21541357"/>
+            <a:ext cx="8030778" cy="584775"/>
           </a:xfrm>
           <a:prstGeom prst="rect">
             <a:avLst/>
@@ -8710,48 +8663,48 @@
           <a:p>
             <a:pPr algn="ctr"/>
             <a:r>
+              <a:rPr kumimoji="1" lang="ja-JP" altLang="en-US" sz="3200" dirty="0">
+                <a:latin typeface="メイリオ" panose="020B0604030504040204" pitchFamily="50" charset="-128"/>
+                <a:ea typeface="メイリオ" panose="020B0604030504040204" pitchFamily="50" charset="-128"/>
+              </a:rPr>
+              <a:t>等を敵</a:t>
+            </a:r>
+            <a:r>
               <a:rPr kumimoji="1" lang="ja-JP" altLang="en-US" sz="2800" dirty="0">
                 <a:latin typeface="メイリオ" panose="020B0604030504040204" pitchFamily="50" charset="-128"/>
                 <a:ea typeface="メイリオ" panose="020B0604030504040204" pitchFamily="50" charset="-128"/>
               </a:rPr>
-              <a:t>等を敵</a:t>
-            </a:r>
-            <a:r>
-              <a:rPr kumimoji="1" lang="ja-JP" altLang="en-US" sz="2400" dirty="0">
-                <a:latin typeface="メイリオ" panose="020B0604030504040204" pitchFamily="50" charset="-128"/>
-                <a:ea typeface="メイリオ" panose="020B0604030504040204" pitchFamily="50" charset="-128"/>
-              </a:rPr>
               <a:t>として</a:t>
             </a:r>
             <a:r>
+              <a:rPr kumimoji="1" lang="ja-JP" altLang="en-US" sz="3200" dirty="0">
+                <a:latin typeface="メイリオ" panose="020B0604030504040204" pitchFamily="50" charset="-128"/>
+                <a:ea typeface="メイリオ" panose="020B0604030504040204" pitchFamily="50" charset="-128"/>
+              </a:rPr>
+              <a:t>出現</a:t>
+            </a:r>
+            <a:r>
               <a:rPr kumimoji="1" lang="ja-JP" altLang="en-US" sz="2800" dirty="0">
                 <a:latin typeface="メイリオ" panose="020B0604030504040204" pitchFamily="50" charset="-128"/>
                 <a:ea typeface="メイリオ" panose="020B0604030504040204" pitchFamily="50" charset="-128"/>
               </a:rPr>
-              <a:t>出現</a:t>
-            </a:r>
-            <a:r>
-              <a:rPr kumimoji="1" lang="ja-JP" altLang="en-US" sz="2400" dirty="0">
-                <a:latin typeface="メイリオ" panose="020B0604030504040204" pitchFamily="50" charset="-128"/>
-                <a:ea typeface="メイリオ" panose="020B0604030504040204" pitchFamily="50" charset="-128"/>
-              </a:rPr>
-              <a:t>させ</a:t>
+              <a:t>し</a:t>
+            </a:r>
+            <a:r>
+              <a:rPr kumimoji="1" lang="ja-JP" altLang="en-US" sz="3200" dirty="0">
+                <a:latin typeface="メイリオ" panose="020B0604030504040204" pitchFamily="50" charset="-128"/>
+                <a:ea typeface="メイリオ" panose="020B0604030504040204" pitchFamily="50" charset="-128"/>
+              </a:rPr>
+              <a:t>、破壊</a:t>
             </a:r>
             <a:r>
               <a:rPr kumimoji="1" lang="ja-JP" altLang="en-US" sz="2800" dirty="0">
                 <a:latin typeface="メイリオ" panose="020B0604030504040204" pitchFamily="50" charset="-128"/>
                 <a:ea typeface="メイリオ" panose="020B0604030504040204" pitchFamily="50" charset="-128"/>
               </a:rPr>
-              <a:t>、破壊</a:t>
-            </a:r>
-            <a:r>
-              <a:rPr kumimoji="1" lang="ja-JP" altLang="en-US" sz="2400" dirty="0">
-                <a:latin typeface="メイリオ" panose="020B0604030504040204" pitchFamily="50" charset="-128"/>
-                <a:ea typeface="メイリオ" panose="020B0604030504040204" pitchFamily="50" charset="-128"/>
-              </a:rPr>
               <a:t>させる</a:t>
             </a:r>
-            <a:endParaRPr kumimoji="1" lang="en-US" altLang="ja-JP" sz="2800" dirty="0">
+            <a:endParaRPr kumimoji="1" lang="en-US" altLang="ja-JP" sz="3200" dirty="0">
               <a:latin typeface="メイリオ" panose="020B0604030504040204" pitchFamily="50" charset="-128"/>
               <a:ea typeface="メイリオ" panose="020B0604030504040204" pitchFamily="50" charset="-128"/>
             </a:endParaRPr>
@@ -8772,7 +8725,7 @@
         </p:nvSpPr>
         <p:spPr>
           <a:xfrm>
-            <a:off x="15036090" y="21715891"/>
+            <a:off x="15036090" y="22572234"/>
             <a:ext cx="1458703" cy="706738"/>
           </a:xfrm>
           <a:prstGeom prst="downArrow">
@@ -8818,7 +8771,7 @@
         </p:nvSpPr>
         <p:spPr>
           <a:xfrm>
-            <a:off x="14630431" y="23372390"/>
+            <a:off x="14630431" y="24301304"/>
             <a:ext cx="2224932" cy="1323439"/>
           </a:xfrm>
           <a:prstGeom prst="roundRect">
@@ -8887,7 +8840,7 @@
         </p:nvSpPr>
         <p:spPr>
           <a:xfrm>
-            <a:off x="17347947" y="23372389"/>
+            <a:off x="17347947" y="24301303"/>
             <a:ext cx="2224932" cy="1323439"/>
           </a:xfrm>
           <a:prstGeom prst="roundRect">
@@ -8956,7 +8909,7 @@
         </p:nvSpPr>
         <p:spPr>
           <a:xfrm>
-            <a:off x="11912914" y="23372389"/>
+            <a:off x="11912914" y="24301303"/>
             <a:ext cx="2224933" cy="1323439"/>
           </a:xfrm>
           <a:prstGeom prst="roundRect">
@@ -9159,7 +9112,7 @@
         </p:nvSpPr>
         <p:spPr>
           <a:xfrm>
-            <a:off x="11542101" y="22832829"/>
+            <a:off x="11542101" y="23761743"/>
             <a:ext cx="8030778" cy="523220"/>
           </a:xfrm>
           <a:prstGeom prst="rect">
@@ -10184,6 +10137,83 @@
               </a:solidFill>
               <a:latin typeface="メイリオ" panose="020B0604030504040204" pitchFamily="50" charset="-128"/>
               <a:ea typeface="メイリオ" panose="020B0604030504040204" pitchFamily="50" charset="-128"/>
+            </a:endParaRPr>
+          </a:p>
+        </p:txBody>
+      </p:sp>
+      <p:pic>
+        <p:nvPicPr>
+          <p:cNvPr id="32" name="図 31" descr="テキスト&#10;&#10;自動的に生成された説明">
+            <a:extLst>
+              <a:ext uri="{FF2B5EF4-FFF2-40B4-BE49-F238E27FC236}">
+                <a16:creationId xmlns:a16="http://schemas.microsoft.com/office/drawing/2014/main" id="{244278EF-3EBA-9AB9-49D3-B4CEF7F56303}"/>
+              </a:ext>
+            </a:extLst>
+          </p:cNvPr>
+          <p:cNvPicPr>
+            <a:picLocks noChangeAspect="1"/>
+          </p:cNvPicPr>
+          <p:nvPr/>
+        </p:nvPicPr>
+        <p:blipFill>
+          <a:blip r:embed="rId14">
+            <a:extLst>
+              <a:ext uri="{28A0092B-C50C-407E-A947-70E740481C1C}">
+                <a14:useLocalDpi xmlns:a14="http://schemas.microsoft.com/office/drawing/2010/main" val="0"/>
+              </a:ext>
+            </a:extLst>
+          </a:blip>
+          <a:stretch>
+            <a:fillRect/>
+          </a:stretch>
+        </p:blipFill>
+        <p:spPr>
+          <a:xfrm>
+            <a:off x="15978251" y="27783733"/>
+            <a:ext cx="1212577" cy="1472268"/>
+          </a:xfrm>
+          <a:prstGeom prst="rect">
+            <a:avLst/>
+          </a:prstGeom>
+        </p:spPr>
+      </p:pic>
+      <p:sp>
+        <p:nvSpPr>
+          <p:cNvPr id="48" name="テキスト ボックス 47">
+            <a:extLst>
+              <a:ext uri="{FF2B5EF4-FFF2-40B4-BE49-F238E27FC236}">
+                <a16:creationId xmlns:a16="http://schemas.microsoft.com/office/drawing/2014/main" id="{A866B479-5F1B-8120-10D0-F333EAAAF76C}"/>
+              </a:ext>
+            </a:extLst>
+          </p:cNvPr>
+          <p:cNvSpPr txBox="1"/>
+          <p:nvPr/>
+        </p:nvSpPr>
+        <p:spPr>
+          <a:xfrm>
+            <a:off x="2423743" y="28900886"/>
+            <a:ext cx="7749761" cy="338554"/>
+          </a:xfrm>
+          <a:prstGeom prst="rect">
+            <a:avLst/>
+          </a:prstGeom>
+          <a:noFill/>
+        </p:spPr>
+        <p:txBody>
+          <a:bodyPr wrap="square" rtlCol="0">
+            <a:spAutoFit/>
+          </a:bodyPr>
+          <a:lstStyle/>
+          <a:p>
+            <a:r>
+              <a:rPr lang="en-US" altLang="ja-JP" sz="800" b="0" i="0" dirty="0">
+                <a:effectLst/>
+                <a:latin typeface="Inter"/>
+              </a:rPr>
+              <a:t>SAFE uses Unreal® Engine. Unreal® is a trademark or registered trademark of Epic Games, Inc. in the United States of America and elsewhere. Unreal® Engine, Copyright 1998 – 2024, Epic Games, Inc. All rights reserved.</a:t>
+            </a:r>
+            <a:endParaRPr kumimoji="1" lang="ja-JP" altLang="en-US" sz="800" dirty="0">
+              <a:latin typeface="Source Code Pro" panose="020B0309030403020204" pitchFamily="49" charset="0"/>
             </a:endParaRPr>
           </a:p>
         </p:txBody>
